--- a/Project 2/Part1/CS554_EuroTeam_Project1_julien.pptx
+++ b/Project 2/Part1/CS554_EuroTeam_Project1_julien.pptx
@@ -5,18 +5,20 @@
     <p:sldMasterId id="2147483660" r:id="rId2"/>
   </p:sldMasterIdLst>
   <p:notesMasterIdLst>
-    <p:notesMasterId r:id="rId9"/>
+    <p:notesMasterId r:id="rId11"/>
   </p:notesMasterIdLst>
   <p:handoutMasterIdLst>
-    <p:handoutMasterId r:id="rId10"/>
+    <p:handoutMasterId r:id="rId12"/>
   </p:handoutMasterIdLst>
   <p:sldIdLst>
     <p:sldId id="256" r:id="rId3"/>
     <p:sldId id="334" r:id="rId4"/>
     <p:sldId id="335" r:id="rId5"/>
     <p:sldId id="336" r:id="rId6"/>
-    <p:sldId id="308" r:id="rId7"/>
-    <p:sldId id="286" r:id="rId8"/>
+    <p:sldId id="337" r:id="rId7"/>
+    <p:sldId id="338" r:id="rId8"/>
+    <p:sldId id="308" r:id="rId9"/>
+    <p:sldId id="286" r:id="rId10"/>
   </p:sldIdLst>
   <p:sldSz cx="9144000" cy="6858000" type="screen4x3"/>
   <p:notesSz cx="7099300" cy="10234613"/>
@@ -349,7 +351,7 @@
     </p:spTree>
     <p:extLst>
       <p:ext uri="{BB962C8B-B14F-4D97-AF65-F5344CB8AC3E}">
-        <p14:creationId xmlns:p14="http://schemas.microsoft.com/office/powerpoint/2007/7/12/main" xmlns="" xmlns:p="http://schemas.openxmlformats.org/presentationml/2006/main" xmlns:r="http://schemas.openxmlformats.org/officeDocument/2006/relationships" xmlns:a="http://schemas.openxmlformats.org/drawingml/2006/main" val="3216856891"/>
+        <p14:creationId xmlns:a="http://schemas.openxmlformats.org/drawingml/2006/main" xmlns:r="http://schemas.openxmlformats.org/officeDocument/2006/relationships" xmlns:p="http://schemas.openxmlformats.org/presentationml/2006/main" xmlns="" xmlns:p14="http://schemas.microsoft.com/office/powerpoint/2007/7/12/main" xmlns:mv="urn:schemas-microsoft-com:mac:vml" xmlns:mc="http://schemas.openxmlformats.org/markup-compatibility/2006" val="3216856891"/>
       </p:ext>
     </p:extLst>
   </p:cSld>
@@ -654,7 +656,7 @@
     </p:spTree>
     <p:extLst>
       <p:ext uri="{BB962C8B-B14F-4D97-AF65-F5344CB8AC3E}">
-        <p14:creationId xmlns:p14="http://schemas.microsoft.com/office/powerpoint/2007/7/12/main" xmlns="" xmlns:p="http://schemas.openxmlformats.org/presentationml/2006/main" xmlns:r="http://schemas.openxmlformats.org/officeDocument/2006/relationships" xmlns:a="http://schemas.openxmlformats.org/drawingml/2006/main" val="3483236166"/>
+        <p14:creationId xmlns:a="http://schemas.openxmlformats.org/drawingml/2006/main" xmlns:r="http://schemas.openxmlformats.org/officeDocument/2006/relationships" xmlns:p="http://schemas.openxmlformats.org/presentationml/2006/main" xmlns="" xmlns:p14="http://schemas.microsoft.com/office/powerpoint/2007/7/12/main" xmlns:mv="urn:schemas-microsoft-com:mac:vml" xmlns:mc="http://schemas.openxmlformats.org/markup-compatibility/2006" val="3483236166"/>
       </p:ext>
     </p:extLst>
   </p:cSld>
@@ -2550,7 +2552,7 @@
           <a:blip r:embed="rId4">
             <a:extLst>
               <a:ext uri="28A0092B-C50C-407e-A947-70E740481C1C">
-                <a14:useLocalDpi xmlns:a14="http://schemas.microsoft.com/office/drawing/2007/7/7/main" xmlns="" xmlns:p="http://schemas.openxmlformats.org/presentationml/2006/main" xmlns:r="http://schemas.openxmlformats.org/officeDocument/2006/relationships" xmlns:a="http://schemas.openxmlformats.org/drawingml/2006/main" val="0"/>
+                <a14:useLocalDpi xmlns:a="http://schemas.openxmlformats.org/drawingml/2006/main" xmlns:r="http://schemas.openxmlformats.org/officeDocument/2006/relationships" xmlns:p="http://schemas.openxmlformats.org/presentationml/2006/main" xmlns="" xmlns:a14="http://schemas.microsoft.com/office/drawing/2007/7/7/main" xmlns:mv="urn:schemas-microsoft-com:mac:vml" xmlns:mc="http://schemas.openxmlformats.org/markup-compatibility/2006" val="0"/>
               </a:ext>
             </a:extLst>
           </a:blip>
@@ -2570,14 +2572,14 @@
           <a:noFill/>
           <a:extLst>
             <a:ext uri="{909E8E84-426E-40dd-AFC4-6F175D3DCCD1}">
-              <a14:hiddenFill xmlns:a14="http://schemas.microsoft.com/office/drawing/2007/7/7/main" xmlns="" xmlns:p="http://schemas.openxmlformats.org/presentationml/2006/main" xmlns:r="http://schemas.openxmlformats.org/officeDocument/2006/relationships" xmlns:a="http://schemas.openxmlformats.org/drawingml/2006/main">
+              <a14:hiddenFill xmlns:a="http://schemas.openxmlformats.org/drawingml/2006/main" xmlns:r="http://schemas.openxmlformats.org/officeDocument/2006/relationships" xmlns:p="http://schemas.openxmlformats.org/presentationml/2006/main" xmlns="" xmlns:a14="http://schemas.microsoft.com/office/drawing/2007/7/7/main" xmlns:mv="urn:schemas-microsoft-com:mac:vml" xmlns:mc="http://schemas.openxmlformats.org/markup-compatibility/2006">
                 <a:solidFill>
                   <a:schemeClr val="accent1"/>
                 </a:solidFill>
               </a14:hiddenFill>
             </a:ext>
             <a:ext uri="{91240B29-F687-4f45-9708-019B960494DF}">
-              <a14:hiddenLine xmlns:a14="http://schemas.microsoft.com/office/drawing/2007/7/7/main" xmlns="" xmlns:p="http://schemas.openxmlformats.org/presentationml/2006/main" xmlns:r="http://schemas.openxmlformats.org/officeDocument/2006/relationships" xmlns:a="http://schemas.openxmlformats.org/drawingml/2006/main" w="9525">
+              <a14:hiddenLine xmlns:a="http://schemas.openxmlformats.org/drawingml/2006/main" xmlns:r="http://schemas.openxmlformats.org/officeDocument/2006/relationships" xmlns:p="http://schemas.openxmlformats.org/presentationml/2006/main" xmlns="" xmlns:a14="http://schemas.microsoft.com/office/drawing/2007/7/7/main" xmlns:mv="urn:schemas-microsoft-com:mac:vml" xmlns:mc="http://schemas.openxmlformats.org/markup-compatibility/2006" w="9525">
                 <a:solidFill>
                   <a:schemeClr val="tx1"/>
                 </a:solidFill>
@@ -2587,7 +2589,7 @@
               </a14:hiddenLine>
             </a:ext>
             <a:ext uri="{AF507438-7753-43e0-B8FC-AC1667EBCBE1}">
-              <a14:hiddenEffects xmlns:a14="http://schemas.microsoft.com/office/drawing/2007/7/7/main" xmlns="" xmlns:p="http://schemas.openxmlformats.org/presentationml/2006/main" xmlns:r="http://schemas.openxmlformats.org/officeDocument/2006/relationships" xmlns:a="http://schemas.openxmlformats.org/drawingml/2006/main">
+              <a14:hiddenEffects xmlns:a="http://schemas.openxmlformats.org/drawingml/2006/main" xmlns:r="http://schemas.openxmlformats.org/officeDocument/2006/relationships" xmlns:p="http://schemas.openxmlformats.org/presentationml/2006/main" xmlns="" xmlns:a14="http://schemas.microsoft.com/office/drawing/2007/7/7/main" xmlns:mv="urn:schemas-microsoft-com:mac:vml" xmlns:mc="http://schemas.openxmlformats.org/markup-compatibility/2006">
                 <a:effectLst>
                   <a:outerShdw dist="35921" dir="2700000" algn="ctr" rotWithShape="0">
                     <a:schemeClr val="bg2"/>
@@ -2601,7 +2603,7 @@
     </p:spTree>
     <p:extLst>
       <p:ext uri="{BB962C8B-B14F-4D97-AF65-F5344CB8AC3E}">
-        <p14:creationId xmlns:p14="http://schemas.microsoft.com/office/powerpoint/2007/7/12/main" xmlns="" xmlns:p="http://schemas.openxmlformats.org/presentationml/2006/main" xmlns:r="http://schemas.openxmlformats.org/officeDocument/2006/relationships" xmlns:a="http://schemas.openxmlformats.org/drawingml/2006/main" val="1066328049"/>
+        <p14:creationId xmlns:a="http://schemas.openxmlformats.org/drawingml/2006/main" xmlns:r="http://schemas.openxmlformats.org/officeDocument/2006/relationships" xmlns:p="http://schemas.openxmlformats.org/presentationml/2006/main" xmlns="" xmlns:p14="http://schemas.microsoft.com/office/powerpoint/2007/7/12/main" xmlns:mv="urn:schemas-microsoft-com:mac:vml" xmlns:mc="http://schemas.openxmlformats.org/markup-compatibility/2006" val="1066328049"/>
       </p:ext>
     </p:extLst>
   </p:cSld>
@@ -4805,7 +4807,7 @@
     </p:spTree>
     <p:extLst>
       <p:ext uri="{BB962C8B-B14F-4D97-AF65-F5344CB8AC3E}">
-        <p14:creationId xmlns:p14="http://schemas.microsoft.com/office/powerpoint/2007/7/12/main" xmlns="" xmlns:p="http://schemas.openxmlformats.org/presentationml/2006/main" xmlns:r="http://schemas.openxmlformats.org/officeDocument/2006/relationships" xmlns:a="http://schemas.openxmlformats.org/drawingml/2006/main" val="3707259682"/>
+        <p14:creationId xmlns:a="http://schemas.openxmlformats.org/drawingml/2006/main" xmlns:r="http://schemas.openxmlformats.org/officeDocument/2006/relationships" xmlns:p="http://schemas.openxmlformats.org/presentationml/2006/main" xmlns="" xmlns:p14="http://schemas.microsoft.com/office/powerpoint/2007/7/12/main" xmlns:mv="urn:schemas-microsoft-com:mac:vml" xmlns:mc="http://schemas.openxmlformats.org/markup-compatibility/2006" val="3707259682"/>
       </p:ext>
     </p:extLst>
   </p:cSld>
@@ -4868,11 +4870,7 @@
             </a:r>
             <a:r>
               <a:rPr lang="fr-FR" dirty="0" smtClean="0"/>
-              <a:t> use ADLS </a:t>
-            </a:r>
-            <a:r>
-              <a:rPr lang="fr-FR" dirty="0" smtClean="0"/>
-              <a:t>?(</a:t>
+              <a:t> use ADLS ?(</a:t>
             </a:r>
             <a:r>
               <a:rPr lang="fr-FR" dirty="0" err="1" smtClean="0"/>
@@ -4962,7 +4960,11 @@
           <a:p>
             <a:r>
               <a:rPr lang="en-GB" dirty="0" smtClean="0"/>
-              <a:t>ACME</a:t>
+              <a:t>ADL </a:t>
+            </a:r>
+            <a:r>
+              <a:rPr lang="en-GB" dirty="0" smtClean="0"/>
+              <a:t>investigation and choice</a:t>
             </a:r>
             <a:endParaRPr lang="en-GB" dirty="0"/>
           </a:p>
@@ -4983,7 +4985,60 @@
           <a:bodyPr/>
           <a:lstStyle/>
           <a:p>
-            <a:endParaRPr lang="en-GB"/>
+            <a:r>
+              <a:rPr lang="en-GB" dirty="0" smtClean="0"/>
+              <a:t>Comparison between several available </a:t>
+            </a:r>
+            <a:r>
+              <a:rPr lang="en-GB" dirty="0" err="1" smtClean="0"/>
+              <a:t>ADLs</a:t>
+            </a:r>
+            <a:endParaRPr lang="en-GB" dirty="0" smtClean="0"/>
+          </a:p>
+          <a:p>
+            <a:pPr lvl="1"/>
+            <a:r>
+              <a:rPr lang="en-GB" dirty="0" smtClean="0"/>
+              <a:t>Abacus</a:t>
+            </a:r>
+          </a:p>
+          <a:p>
+            <a:pPr lvl="1"/>
+            <a:r>
+              <a:rPr lang="en-GB" dirty="0" err="1" smtClean="0"/>
+              <a:t>Rapide</a:t>
+            </a:r>
+            <a:endParaRPr lang="en-GB" dirty="0" smtClean="0"/>
+          </a:p>
+          <a:p>
+            <a:pPr lvl="1"/>
+            <a:r>
+              <a:rPr lang="en-GB" dirty="0" smtClean="0"/>
+              <a:t>Wright</a:t>
+            </a:r>
+          </a:p>
+          <a:p>
+            <a:pPr lvl="1"/>
+            <a:r>
+              <a:rPr lang="en-GB" dirty="0" smtClean="0"/>
+              <a:t>ACME</a:t>
+            </a:r>
+          </a:p>
+          <a:p>
+            <a:pPr lvl="1"/>
+            <a:r>
+              <a:rPr lang="en-GB" dirty="0" err="1" smtClean="0"/>
+              <a:t>Unicon</a:t>
+            </a:r>
+            <a:endParaRPr lang="en-GB" dirty="0" smtClean="0"/>
+          </a:p>
+          <a:p>
+            <a:pPr lvl="1"/>
+            <a:r>
+              <a:rPr lang="en-GB" dirty="0" smtClean="0"/>
+              <a:t>AADL</a:t>
+            </a:r>
+            <a:endParaRPr lang="en-GB" dirty="0"/>
           </a:p>
         </p:txBody>
       </p:sp>
@@ -4996,6 +5051,316 @@
 </file>
 
 <file path=ppt/slides/slide5.xml><?xml version="1.0" encoding="utf-8"?>
+<p:sld xmlns:a="http://schemas.openxmlformats.org/drawingml/2006/main" xmlns:r="http://schemas.openxmlformats.org/officeDocument/2006/relationships" xmlns:mc="http://schemas.openxmlformats.org/markup-compatibility/2006" xmlns:mv="urn:schemas-microsoft-com:mac:vml" xmlns:p="http://schemas.openxmlformats.org/presentationml/2006/main" mc:Ignorable="mv" mc:PreserveAttributes="mv:*">
+  <p:cSld>
+    <p:spTree>
+      <p:nvGrpSpPr>
+        <p:cNvPr id="1" name=""/>
+        <p:cNvGrpSpPr/>
+        <p:nvPr/>
+      </p:nvGrpSpPr>
+      <p:grpSpPr>
+        <a:xfrm>
+          <a:off x="0" y="0"/>
+          <a:ext cx="0" cy="0"/>
+          <a:chOff x="0" y="0"/>
+          <a:chExt cx="0" cy="0"/>
+        </a:xfrm>
+      </p:grpSpPr>
+      <p:sp>
+        <p:nvSpPr>
+          <p:cNvPr id="2" name="Title 1"/>
+          <p:cNvSpPr>
+            <a:spLocks noGrp="1"/>
+          </p:cNvSpPr>
+          <p:nvPr>
+            <p:ph type="ctrTitle"/>
+          </p:nvPr>
+        </p:nvSpPr>
+        <p:spPr/>
+        <p:txBody>
+          <a:bodyPr/>
+          <a:lstStyle/>
+          <a:p>
+            <a:r>
+              <a:rPr lang="en-GB" dirty="0" smtClean="0"/>
+              <a:t>ADL investigation and </a:t>
+            </a:r>
+            <a:r>
+              <a:rPr lang="en-GB" dirty="0" smtClean="0"/>
+              <a:t>choice (cont.)</a:t>
+            </a:r>
+            <a:endParaRPr lang="en-GB" dirty="0"/>
+          </a:p>
+        </p:txBody>
+      </p:sp>
+      <p:sp>
+        <p:nvSpPr>
+          <p:cNvPr id="3" name="Text Placeholder 2"/>
+          <p:cNvSpPr>
+            <a:spLocks noGrp="1"/>
+          </p:cNvSpPr>
+          <p:nvPr>
+            <p:ph type="body" sz="quarter" idx="10"/>
+          </p:nvPr>
+        </p:nvSpPr>
+        <p:spPr/>
+        <p:txBody>
+          <a:bodyPr/>
+          <a:lstStyle/>
+          <a:p>
+            <a:pPr>
+              <a:buNone/>
+            </a:pPr>
+            <a:endParaRPr lang="en-GB" dirty="0" smtClean="0"/>
+          </a:p>
+          <a:p>
+            <a:r>
+              <a:rPr lang="en-GB" dirty="0" smtClean="0"/>
+              <a:t>Well known</a:t>
+            </a:r>
+          </a:p>
+          <a:p>
+            <a:r>
+              <a:rPr lang="en-GB" dirty="0" smtClean="0"/>
+              <a:t>A lot of documentation </a:t>
+            </a:r>
+          </a:p>
+          <a:p>
+            <a:pPr lvl="1"/>
+            <a:r>
+              <a:rPr lang="en-GB" dirty="0" smtClean="0"/>
+              <a:t>Website</a:t>
+            </a:r>
+          </a:p>
+          <a:p>
+            <a:pPr lvl="1"/>
+            <a:r>
+              <a:rPr lang="en-GB" dirty="0" smtClean="0"/>
+              <a:t>HTML large documentation</a:t>
+            </a:r>
+          </a:p>
+          <a:p>
+            <a:pPr lvl="1"/>
+            <a:r>
+              <a:rPr lang="en-GB" dirty="0" smtClean="0"/>
+              <a:t>Tutorials available</a:t>
+            </a:r>
+          </a:p>
+          <a:p>
+            <a:r>
+              <a:rPr lang="en-GB" dirty="0" smtClean="0"/>
+              <a:t>Complete and well-made software as an Eclipse plug-in</a:t>
+            </a:r>
+          </a:p>
+          <a:p>
+            <a:r>
+              <a:rPr lang="en-GB" dirty="0" smtClean="0"/>
+              <a:t>Free software available on every platforms</a:t>
+            </a:r>
+          </a:p>
+          <a:p>
+            <a:r>
+              <a:rPr lang="en-GB" dirty="0" smtClean="0"/>
+              <a:t>Developed in the same university as ATAM method – </a:t>
+            </a:r>
+            <a:r>
+              <a:rPr lang="en-GB" i="1" dirty="0" smtClean="0"/>
+              <a:t>Carneggie Melon University</a:t>
+            </a:r>
+            <a:endParaRPr lang="en-GB" i="1" dirty="0"/>
+          </a:p>
+        </p:txBody>
+      </p:sp>
+      <p:sp>
+        <p:nvSpPr>
+          <p:cNvPr id="4" name="TextBox 3"/>
+          <p:cNvSpPr txBox="1"/>
+          <p:nvPr/>
+        </p:nvSpPr>
+        <p:spPr>
+          <a:xfrm>
+            <a:off x="228600" y="1143000"/>
+            <a:ext cx="8915400" cy="461665"/>
+          </a:xfrm>
+          <a:prstGeom prst="rect">
+            <a:avLst/>
+          </a:prstGeom>
+          <a:solidFill>
+            <a:schemeClr val="bg1"/>
+          </a:solidFill>
+        </p:spPr>
+        <p:txBody>
+          <a:bodyPr wrap="square" rtlCol="0">
+            <a:spAutoFit/>
+          </a:bodyPr>
+          <a:lstStyle/>
+          <a:p>
+            <a:pPr marL="0" marR="0" indent="0" algn="ctr" defTabSz="914400" rtl="0" eaLnBrk="1" fontAlgn="auto" latinLnBrk="0" hangingPunct="1">
+              <a:lnSpc>
+                <a:spcPct val="100000"/>
+              </a:lnSpc>
+              <a:spcBef>
+                <a:spcPct val="20000"/>
+              </a:spcBef>
+              <a:spcAft>
+                <a:spcPts val="0"/>
+              </a:spcAft>
+              <a:buClrTx/>
+              <a:buSzTx/>
+              <a:buFontTx/>
+              <a:buNone/>
+              <a:tabLst/>
+            </a:pPr>
+            <a:r>
+              <a:rPr kumimoji="0" lang="en-GB" sz="2400" b="1" i="0" u="none" strike="noStrike" kern="0" cap="none" spc="0" normalizeH="0" baseline="0" noProof="0" dirty="0" smtClean="0">
+                <a:ln>
+                  <a:noFill/>
+                </a:ln>
+                <a:solidFill>
+                  <a:schemeClr val="accent4">
+                    <a:shade val="50000"/>
+                  </a:schemeClr>
+                </a:solidFill>
+                <a:effectLst/>
+                <a:uLnTx/>
+                <a:uFillTx/>
+                <a:latin typeface="+mn-lt"/>
+                <a:ea typeface="+mn-ea"/>
+                <a:cs typeface="+mn-cs"/>
+              </a:rPr>
+              <a:t>We </a:t>
+            </a:r>
+            <a:r>
+              <a:rPr lang="en-GB" sz="2400" b="1" kern="0" dirty="0" smtClean="0">
+                <a:solidFill>
+                  <a:schemeClr val="accent4">
+                    <a:shade val="50000"/>
+                  </a:schemeClr>
+                </a:solidFill>
+                <a:latin typeface="+mn-lt"/>
+                <a:cs typeface="+mn-cs"/>
+              </a:rPr>
+              <a:t>have chosen</a:t>
+            </a:r>
+            <a:r>
+              <a:rPr kumimoji="0" lang="en-GB" sz="2400" b="1" i="0" u="none" strike="noStrike" kern="0" cap="none" spc="0" normalizeH="0" baseline="0" noProof="0" dirty="0" smtClean="0">
+                <a:ln>
+                  <a:noFill/>
+                </a:ln>
+                <a:solidFill>
+                  <a:schemeClr val="accent4">
+                    <a:shade val="50000"/>
+                  </a:schemeClr>
+                </a:solidFill>
+                <a:effectLst/>
+                <a:uLnTx/>
+                <a:uFillTx/>
+                <a:latin typeface="+mn-lt"/>
+                <a:ea typeface="+mn-ea"/>
+                <a:cs typeface="+mn-cs"/>
+              </a:rPr>
+              <a:t> ACME</a:t>
+            </a:r>
+            <a:endParaRPr kumimoji="0" lang="en-GB" sz="2400" b="1" i="0" u="none" strike="noStrike" kern="0" cap="none" spc="0" normalizeH="0" baseline="0" noProof="0" dirty="0" smtClean="0">
+              <a:ln>
+                <a:noFill/>
+              </a:ln>
+              <a:solidFill>
+                <a:schemeClr val="accent4">
+                  <a:shade val="50000"/>
+                </a:schemeClr>
+              </a:solidFill>
+              <a:effectLst/>
+              <a:uLnTx/>
+              <a:uFillTx/>
+              <a:latin typeface="+mn-lt"/>
+              <a:ea typeface="+mn-ea"/>
+              <a:cs typeface="+mn-cs"/>
+            </a:endParaRPr>
+          </a:p>
+        </p:txBody>
+      </p:sp>
+    </p:spTree>
+  </p:cSld>
+  <p:clrMapOvr>
+    <a:masterClrMapping/>
+  </p:clrMapOvr>
+</p:sld>
+</file>
+
+<file path=ppt/slides/slide6.xml><?xml version="1.0" encoding="utf-8"?>
+<p:sld xmlns:a="http://schemas.openxmlformats.org/drawingml/2006/main" xmlns:r="http://schemas.openxmlformats.org/officeDocument/2006/relationships" xmlns:mc="http://schemas.openxmlformats.org/markup-compatibility/2006" xmlns:mv="urn:schemas-microsoft-com:mac:vml" xmlns:p="http://schemas.openxmlformats.org/presentationml/2006/main" mc:Ignorable="mv" mc:PreserveAttributes="mv:*">
+  <p:cSld>
+    <p:spTree>
+      <p:nvGrpSpPr>
+        <p:cNvPr id="1" name=""/>
+        <p:cNvGrpSpPr/>
+        <p:nvPr/>
+      </p:nvGrpSpPr>
+      <p:grpSpPr>
+        <a:xfrm>
+          <a:off x="0" y="0"/>
+          <a:ext cx="0" cy="0"/>
+          <a:chOff x="0" y="0"/>
+          <a:chExt cx="0" cy="0"/>
+        </a:xfrm>
+      </p:grpSpPr>
+      <p:sp>
+        <p:nvSpPr>
+          <p:cNvPr id="2" name="Title 1"/>
+          <p:cNvSpPr>
+            <a:spLocks noGrp="1"/>
+          </p:cNvSpPr>
+          <p:nvPr>
+            <p:ph type="ctrTitle"/>
+          </p:nvPr>
+        </p:nvSpPr>
+        <p:spPr/>
+        <p:txBody>
+          <a:bodyPr/>
+          <a:lstStyle/>
+          <a:p>
+            <a:r>
+              <a:rPr lang="en-GB" dirty="0" smtClean="0"/>
+              <a:t>ACME </a:t>
+            </a:r>
+            <a:r>
+              <a:rPr lang="en-GB" dirty="0" err="1" smtClean="0"/>
+              <a:t>PResentation</a:t>
+            </a:r>
+            <a:endParaRPr lang="en-GB" dirty="0"/>
+          </a:p>
+        </p:txBody>
+      </p:sp>
+      <p:sp>
+        <p:nvSpPr>
+          <p:cNvPr id="3" name="Text Placeholder 2"/>
+          <p:cNvSpPr>
+            <a:spLocks noGrp="1"/>
+          </p:cNvSpPr>
+          <p:nvPr>
+            <p:ph type="body" sz="quarter" idx="10"/>
+          </p:nvPr>
+        </p:nvSpPr>
+        <p:spPr/>
+        <p:txBody>
+          <a:bodyPr/>
+          <a:lstStyle/>
+          <a:p>
+            <a:endParaRPr lang="en-GB" dirty="0"/>
+          </a:p>
+        </p:txBody>
+      </p:sp>
+    </p:spTree>
+  </p:cSld>
+  <p:clrMapOvr>
+    <a:masterClrMapping/>
+  </p:clrMapOvr>
+</p:sld>
+</file>
+
+<file path=ppt/slides/slide7.xml><?xml version="1.0" encoding="utf-8"?>
 <p:sld xmlns:a="http://schemas.openxmlformats.org/drawingml/2006/main" xmlns:r="http://schemas.openxmlformats.org/officeDocument/2006/relationships" xmlns:mc="http://schemas.openxmlformats.org/markup-compatibility/2006" xmlns:mv="urn:schemas-microsoft-com:mac:vml" xmlns:p="http://schemas.openxmlformats.org/presentationml/2006/main" mc:Ignorable="mv" mc:PreserveAttributes="mv:*">
   <p:cSld>
     <p:spTree>
@@ -5450,7 +5815,7 @@
 </p:sld>
 </file>
 
-<file path=ppt/slides/slide6.xml><?xml version="1.0" encoding="utf-8"?>
+<file path=ppt/slides/slide8.xml><?xml version="1.0" encoding="utf-8"?>
 <p:sld xmlns:a="http://schemas.openxmlformats.org/drawingml/2006/main" xmlns:r="http://schemas.openxmlformats.org/officeDocument/2006/relationships" xmlns:mc="http://schemas.openxmlformats.org/markup-compatibility/2006" xmlns:mv="urn:schemas-microsoft-com:mac:vml" xmlns:p="http://schemas.openxmlformats.org/presentationml/2006/main" mc:Ignorable="mv" mc:PreserveAttributes="mv:*">
   <p:cSld>
     <p:spTree>
